--- a/14. Самая длинная общая подстрока.pptx
+++ b/14. Самая длинная общая подстрока.pptx
@@ -13,9 +13,13 @@
     <p:sldId id="306" r:id="rId7"/>
     <p:sldId id="307" r:id="rId8"/>
     <p:sldId id="261" r:id="rId9"/>
-    <p:sldId id="309" r:id="rId10"/>
-    <p:sldId id="308" r:id="rId11"/>
-    <p:sldId id="310" r:id="rId12"/>
+    <p:sldId id="311" r:id="rId10"/>
+    <p:sldId id="312" r:id="rId11"/>
+    <p:sldId id="313" r:id="rId12"/>
+    <p:sldId id="314" r:id="rId13"/>
+    <p:sldId id="315" r:id="rId14"/>
+    <p:sldId id="310" r:id="rId15"/>
+    <p:sldId id="316" r:id="rId16"/>
   </p:sldIdLst>
   <p:sldSz cx="14630400" cy="8229600"/>
   <p:notesSz cx="6858000" cy="9144000"/>
@@ -312,7 +316,7 @@
           <a:p>
             <a:fld id="{5BCAD085-E8A6-8845-BD4E-CB4CCA059FC4}" type="datetimeFigureOut">
               <a:rPr lang="en-US" smtClean="0"/>
-              <a:t>10/4/2025</a:t>
+              <a:t>10/18/2025</a:t>
             </a:fld>
             <a:endParaRPr lang="en-US"/>
           </a:p>
@@ -480,7 +484,7 @@
           <a:p>
             <a:fld id="{5BCAD085-E8A6-8845-BD4E-CB4CCA059FC4}" type="datetimeFigureOut">
               <a:rPr lang="en-US" smtClean="0"/>
-              <a:t>10/4/2025</a:t>
+              <a:t>10/18/2025</a:t>
             </a:fld>
             <a:endParaRPr lang="en-US"/>
           </a:p>
@@ -658,7 +662,7 @@
           <a:p>
             <a:fld id="{5BCAD085-E8A6-8845-BD4E-CB4CCA059FC4}" type="datetimeFigureOut">
               <a:rPr lang="en-US" smtClean="0"/>
-              <a:t>10/4/2025</a:t>
+              <a:t>10/18/2025</a:t>
             </a:fld>
             <a:endParaRPr lang="en-US"/>
           </a:p>
@@ -826,7 +830,7 @@
           <a:p>
             <a:fld id="{5BCAD085-E8A6-8845-BD4E-CB4CCA059FC4}" type="datetimeFigureOut">
               <a:rPr lang="en-US" smtClean="0"/>
-              <a:t>10/4/2025</a:t>
+              <a:t>10/18/2025</a:t>
             </a:fld>
             <a:endParaRPr lang="en-US"/>
           </a:p>
@@ -1071,7 +1075,7 @@
           <a:p>
             <a:fld id="{5BCAD085-E8A6-8845-BD4E-CB4CCA059FC4}" type="datetimeFigureOut">
               <a:rPr lang="en-US" smtClean="0"/>
-              <a:t>10/4/2025</a:t>
+              <a:t>10/18/2025</a:t>
             </a:fld>
             <a:endParaRPr lang="en-US"/>
           </a:p>
@@ -1356,7 +1360,7 @@
           <a:p>
             <a:fld id="{5BCAD085-E8A6-8845-BD4E-CB4CCA059FC4}" type="datetimeFigureOut">
               <a:rPr lang="en-US" smtClean="0"/>
-              <a:t>10/4/2025</a:t>
+              <a:t>10/18/2025</a:t>
             </a:fld>
             <a:endParaRPr lang="en-US"/>
           </a:p>
@@ -1775,7 +1779,7 @@
           <a:p>
             <a:fld id="{5BCAD085-E8A6-8845-BD4E-CB4CCA059FC4}" type="datetimeFigureOut">
               <a:rPr lang="en-US" smtClean="0"/>
-              <a:t>10/4/2025</a:t>
+              <a:t>10/18/2025</a:t>
             </a:fld>
             <a:endParaRPr lang="en-US"/>
           </a:p>
@@ -1892,7 +1896,7 @@
           <a:p>
             <a:fld id="{5BCAD085-E8A6-8845-BD4E-CB4CCA059FC4}" type="datetimeFigureOut">
               <a:rPr lang="en-US" smtClean="0"/>
-              <a:t>10/4/2025</a:t>
+              <a:t>10/18/2025</a:t>
             </a:fld>
             <a:endParaRPr lang="en-US"/>
           </a:p>
@@ -1987,7 +1991,7 @@
           <a:p>
             <a:fld id="{5BCAD085-E8A6-8845-BD4E-CB4CCA059FC4}" type="datetimeFigureOut">
               <a:rPr lang="en-US" smtClean="0"/>
-              <a:t>10/4/2025</a:t>
+              <a:t>10/18/2025</a:t>
             </a:fld>
             <a:endParaRPr lang="en-US"/>
           </a:p>
@@ -2262,7 +2266,7 @@
           <a:p>
             <a:fld id="{5BCAD085-E8A6-8845-BD4E-CB4CCA059FC4}" type="datetimeFigureOut">
               <a:rPr lang="en-US" smtClean="0"/>
-              <a:t>10/4/2025</a:t>
+              <a:t>10/18/2025</a:t>
             </a:fld>
             <a:endParaRPr lang="en-US"/>
           </a:p>
@@ -2514,7 +2518,7 @@
           <a:p>
             <a:fld id="{5BCAD085-E8A6-8845-BD4E-CB4CCA059FC4}" type="datetimeFigureOut">
               <a:rPr lang="en-US" smtClean="0"/>
-              <a:t>10/4/2025</a:t>
+              <a:t>10/18/2025</a:t>
             </a:fld>
             <a:endParaRPr lang="en-US"/>
           </a:p>
@@ -2725,7 +2729,7 @@
           <a:p>
             <a:fld id="{5BCAD085-E8A6-8845-BD4E-CB4CCA059FC4}" type="datetimeFigureOut">
               <a:rPr lang="en-US" smtClean="0"/>
-              <a:t>10/4/2025</a:t>
+              <a:t>10/18/2025</a:t>
             </a:fld>
             <a:endParaRPr lang="en-US"/>
           </a:p>
@@ -3261,6 +3265,261 @@
 <file path=ppt/slides/slide10.xml><?xml version="1.0" encoding="utf-8"?>
 <p:sld xmlns:a="http://schemas.openxmlformats.org/drawingml/2006/main" xmlns:r="http://schemas.openxmlformats.org/officeDocument/2006/relationships" xmlns:p="http://schemas.openxmlformats.org/presentationml/2006/main">
   <p:cSld>
+    <p:spTree>
+      <p:nvGrpSpPr>
+        <p:cNvPr id="1" name=""/>
+        <p:cNvGrpSpPr/>
+        <p:nvPr/>
+      </p:nvGrpSpPr>
+      <p:grpSpPr>
+        <a:xfrm>
+          <a:off x="0" y="0"/>
+          <a:ext cx="0" cy="0"/>
+          <a:chOff x="0" y="0"/>
+          <a:chExt cx="0" cy="0"/>
+        </a:xfrm>
+      </p:grpSpPr>
+      <p:sp>
+        <p:nvSpPr>
+          <p:cNvPr id="2" name="TextBox 1"/>
+          <p:cNvSpPr txBox="1"/>
+          <p:nvPr/>
+        </p:nvSpPr>
+        <p:spPr>
+          <a:xfrm>
+            <a:off x="461532" y="274320"/>
+            <a:ext cx="11882868" cy="769441"/>
+          </a:xfrm>
+          <a:prstGeom prst="rect">
+            <a:avLst/>
+          </a:prstGeom>
+          <a:noFill/>
+        </p:spPr>
+        <p:txBody>
+          <a:bodyPr wrap="none">
+            <a:spAutoFit/>
+          </a:bodyPr>
+          <a:lstStyle/>
+          <a:p>
+            <a:r>
+              <a:rPr lang="ru-RU" sz="4400" dirty="0"/>
+              <a:t>Самая длинная общая подпоследовательность</a:t>
+            </a:r>
+            <a:endParaRPr lang="ru-RU" sz="4400" b="1" dirty="0"/>
+          </a:p>
+        </p:txBody>
+      </p:sp>
+      <p:pic>
+        <p:nvPicPr>
+          <p:cNvPr id="4" name="Picture 3" descr="logo.png"/>
+          <p:cNvPicPr>
+            <a:picLocks noChangeAspect="1"/>
+          </p:cNvPicPr>
+          <p:nvPr/>
+        </p:nvPicPr>
+        <p:blipFill>
+          <a:blip r:embed="rId2"/>
+          <a:stretch>
+            <a:fillRect/>
+          </a:stretch>
+        </p:blipFill>
+        <p:spPr>
+          <a:xfrm>
+            <a:off x="12344400" y="274320"/>
+            <a:ext cx="1097280" cy="1080473"/>
+          </a:xfrm>
+          <a:prstGeom prst="rect">
+            <a:avLst/>
+          </a:prstGeom>
+        </p:spPr>
+      </p:pic>
+      <p:sp>
+        <p:nvSpPr>
+          <p:cNvPr id="5" name="Rectangle 4"/>
+          <p:cNvSpPr/>
+          <p:nvPr/>
+        </p:nvSpPr>
+        <p:spPr>
+          <a:xfrm>
+            <a:off x="0" y="7772400"/>
+            <a:ext cx="14630400" cy="457200"/>
+          </a:xfrm>
+          <a:prstGeom prst="rect">
+            <a:avLst/>
+          </a:prstGeom>
+          <a:solidFill>
+            <a:srgbClr val="640064"/>
+          </a:solidFill>
+          <a:ln>
+            <a:noFill/>
+          </a:ln>
+        </p:spPr>
+        <p:style>
+          <a:lnRef idx="1">
+            <a:schemeClr val="accent1"/>
+          </a:lnRef>
+          <a:fillRef idx="3">
+            <a:schemeClr val="accent1"/>
+          </a:fillRef>
+          <a:effectRef idx="2">
+            <a:schemeClr val="accent1"/>
+          </a:effectRef>
+          <a:fontRef idx="minor">
+            <a:schemeClr val="lt1"/>
+          </a:fontRef>
+        </p:style>
+        <p:txBody>
+          <a:bodyPr rtlCol="0" anchor="ctr"/>
+          <a:lstStyle/>
+          <a:p>
+            <a:pPr algn="ctr"/>
+            <a:endParaRPr/>
+          </a:p>
+        </p:txBody>
+      </p:sp>
+      <p:sp>
+        <p:nvSpPr>
+          <p:cNvPr id="6" name="TextBox 5">
+            <a:extLst>
+              <a:ext uri="{FF2B5EF4-FFF2-40B4-BE49-F238E27FC236}">
+                <a16:creationId xmlns:a16="http://schemas.microsoft.com/office/drawing/2014/main" id="{41AAC878-2325-E7DC-8A38-2AD2816BEF2B}"/>
+              </a:ext>
+            </a:extLst>
+          </p:cNvPr>
+          <p:cNvSpPr txBox="1"/>
+          <p:nvPr/>
+        </p:nvSpPr>
+        <p:spPr>
+          <a:xfrm>
+            <a:off x="623943" y="1354793"/>
+            <a:ext cx="12817737" cy="954107"/>
+          </a:xfrm>
+          <a:prstGeom prst="rect">
+            <a:avLst/>
+          </a:prstGeom>
+          <a:noFill/>
+        </p:spPr>
+        <p:txBody>
+          <a:bodyPr wrap="square">
+            <a:spAutoFit/>
+          </a:bodyPr>
+          <a:lstStyle/>
+          <a:p>
+            <a:pPr algn="ctr"/>
+            <a:r>
+              <a:rPr lang="ru-RU" sz="2800" dirty="0"/>
+              <a:t>Предположим, Алекс ввел строку </a:t>
+            </a:r>
+            <a:r>
+              <a:rPr lang="ru-RU" sz="2800" dirty="0" err="1"/>
+              <a:t>fosh</a:t>
+            </a:r>
+            <a:r>
+              <a:rPr lang="ru-RU" sz="2800" dirty="0"/>
+              <a:t>. Какое слово он имел в виду: </a:t>
+            </a:r>
+            <a:r>
+              <a:rPr lang="ru-RU" sz="2800" dirty="0" err="1"/>
+              <a:t>fish</a:t>
+            </a:r>
+            <a:r>
+              <a:rPr lang="ru-RU" sz="2800" dirty="0"/>
+              <a:t> или </a:t>
+            </a:r>
+            <a:r>
+              <a:rPr lang="ru-RU" sz="2800" dirty="0" err="1"/>
+              <a:t>fort</a:t>
+            </a:r>
+            <a:r>
+              <a:rPr lang="ru-RU" sz="2800" dirty="0"/>
+              <a:t>?</a:t>
+            </a:r>
+          </a:p>
+          <a:p>
+            <a:pPr algn="ctr"/>
+            <a:r>
+              <a:rPr lang="ru-RU" sz="2800" dirty="0"/>
+              <a:t>Сравним строки по формуле самой длинной общей подстроки.</a:t>
+            </a:r>
+          </a:p>
+        </p:txBody>
+      </p:sp>
+      <p:pic>
+        <p:nvPicPr>
+          <p:cNvPr id="7" name="Рисунок 6">
+            <a:extLst>
+              <a:ext uri="{FF2B5EF4-FFF2-40B4-BE49-F238E27FC236}">
+                <a16:creationId xmlns:a16="http://schemas.microsoft.com/office/drawing/2014/main" id="{4B149156-0789-705D-1DA3-921ECD54210D}"/>
+              </a:ext>
+            </a:extLst>
+          </p:cNvPr>
+          <p:cNvPicPr>
+            <a:picLocks noChangeAspect="1"/>
+          </p:cNvPicPr>
+          <p:nvPr/>
+        </p:nvPicPr>
+        <p:blipFill>
+          <a:blip r:embed="rId3"/>
+          <a:stretch>
+            <a:fillRect/>
+          </a:stretch>
+        </p:blipFill>
+        <p:spPr>
+          <a:xfrm>
+            <a:off x="2117068" y="2619932"/>
+            <a:ext cx="9598352" cy="4102416"/>
+          </a:xfrm>
+          <a:prstGeom prst="rect">
+            <a:avLst/>
+          </a:prstGeom>
+        </p:spPr>
+      </p:pic>
+      <p:pic>
+        <p:nvPicPr>
+          <p:cNvPr id="3" name="Рисунок 2" descr="Изображение выглядит как рисунок, зарисовка, иллюстрация, челюсть&#10;&#10;Автоматически созданное описание">
+            <a:extLst>
+              <a:ext uri="{FF2B5EF4-FFF2-40B4-BE49-F238E27FC236}">
+                <a16:creationId xmlns:a16="http://schemas.microsoft.com/office/drawing/2014/main" id="{964232C8-3111-3DE5-6565-05DDA938929E}"/>
+              </a:ext>
+            </a:extLst>
+          </p:cNvPr>
+          <p:cNvPicPr>
+            <a:picLocks noChangeAspect="1"/>
+          </p:cNvPicPr>
+          <p:nvPr/>
+        </p:nvPicPr>
+        <p:blipFill>
+          <a:blip r:embed="rId4"/>
+          <a:stretch>
+            <a:fillRect/>
+          </a:stretch>
+        </p:blipFill>
+        <p:spPr>
+          <a:xfrm flipH="1">
+            <a:off x="11897958" y="6066540"/>
+            <a:ext cx="3087443" cy="1736687"/>
+          </a:xfrm>
+          <a:prstGeom prst="rect">
+            <a:avLst/>
+          </a:prstGeom>
+        </p:spPr>
+      </p:pic>
+    </p:spTree>
+    <p:extLst>
+      <p:ext uri="{BB962C8B-B14F-4D97-AF65-F5344CB8AC3E}">
+        <p14:creationId xmlns:p14="http://schemas.microsoft.com/office/powerpoint/2010/main" val="867744245"/>
+      </p:ext>
+    </p:extLst>
+  </p:cSld>
+  <p:clrMapOvr>
+    <a:masterClrMapping/>
+  </p:clrMapOvr>
+</p:sld>
+</file>
+
+<file path=ppt/slides/slide11.xml><?xml version="1.0" encoding="utf-8"?>
+<p:sld xmlns:a="http://schemas.openxmlformats.org/drawingml/2006/main" xmlns:r="http://schemas.openxmlformats.org/officeDocument/2006/relationships" xmlns:p="http://schemas.openxmlformats.org/presentationml/2006/main">
+  <p:cSld>
     <p:bg>
       <p:bgPr>
         <a:solidFill>
@@ -3366,7 +3625,7 @@
         <p:spPr>
           <a:xfrm>
             <a:off x="410584" y="335778"/>
-            <a:ext cx="5029518" cy="769441"/>
+            <a:ext cx="5481757" cy="769441"/>
           </a:xfrm>
           <a:prstGeom prst="rect">
             <a:avLst/>
@@ -3385,17 +3644,88 @@
                   <a:schemeClr val="bg1"/>
                 </a:solidFill>
               </a:rPr>
-              <a:t>Прошлый алгоритм</a:t>
+              <a:t>А что на самом деле?</a:t>
+            </a:r>
+          </a:p>
+        </p:txBody>
+      </p:sp>
+      <p:sp>
+        <p:nvSpPr>
+          <p:cNvPr id="7" name="TextBox 6">
+            <a:extLst>
+              <a:ext uri="{FF2B5EF4-FFF2-40B4-BE49-F238E27FC236}">
+                <a16:creationId xmlns:a16="http://schemas.microsoft.com/office/drawing/2014/main" id="{9BFE5F5C-F915-E940-F341-8BD7E0D82D1C}"/>
+              </a:ext>
+            </a:extLst>
+          </p:cNvPr>
+          <p:cNvSpPr txBox="1"/>
+          <p:nvPr/>
+        </p:nvSpPr>
+        <p:spPr>
+          <a:xfrm>
+            <a:off x="1167204" y="1293625"/>
+            <a:ext cx="11177196" cy="523220"/>
+          </a:xfrm>
+          <a:prstGeom prst="rect">
+            <a:avLst/>
+          </a:prstGeom>
+          <a:noFill/>
+        </p:spPr>
+        <p:txBody>
+          <a:bodyPr wrap="square">
+            <a:spAutoFit/>
+          </a:bodyPr>
+          <a:lstStyle/>
+          <a:p>
+            <a:r>
+              <a:rPr lang="ru-RU" sz="2800" dirty="0">
+                <a:solidFill>
+                  <a:schemeClr val="bg1"/>
+                </a:solidFill>
+              </a:rPr>
+              <a:t>Длина подстрок одинакова: две буквы! Но </a:t>
+            </a:r>
+            <a:r>
+              <a:rPr lang="ru-RU" sz="2800" dirty="0" err="1">
+                <a:solidFill>
+                  <a:schemeClr val="bg1"/>
+                </a:solidFill>
+              </a:rPr>
+              <a:t>fosh</a:t>
+            </a:r>
+            <a:r>
+              <a:rPr lang="ru-RU" sz="2800" dirty="0">
+                <a:solidFill>
+                  <a:schemeClr val="bg1"/>
+                </a:solidFill>
+              </a:rPr>
+              <a:t> при этом ближе к </a:t>
+            </a:r>
+            <a:r>
+              <a:rPr lang="ru-RU" sz="2800" dirty="0" err="1">
+                <a:solidFill>
+                  <a:schemeClr val="bg1"/>
+                </a:solidFill>
+              </a:rPr>
+              <a:t>fish</a:t>
+            </a:r>
+            <a:r>
+              <a:rPr lang="ru-RU" sz="2800" dirty="0">
+                <a:solidFill>
+                  <a:schemeClr val="bg1"/>
+                </a:solidFill>
+              </a:rPr>
+              <a:t>:</a:t>
             </a:r>
           </a:p>
         </p:txBody>
       </p:sp>
       <p:pic>
         <p:nvPicPr>
-          <p:cNvPr id="6" name="Рисунок 5">
+          <p:cNvPr id="9" name="Рисунок 8">
             <a:extLst>
               <a:ext uri="{FF2B5EF4-FFF2-40B4-BE49-F238E27FC236}">
-                <a16:creationId xmlns:a16="http://schemas.microsoft.com/office/drawing/2014/main" id="{F00C775D-9360-3DFF-DD10-196375227ABA}"/>
+                <a16:creationId xmlns:a16="http://schemas.microsoft.com/office/drawing/2014/main" id="{6A6F5582-37A0-8511-CB65-F1F336AF78F1}"/>
               </a:ext>
             </a:extLst>
           </p:cNvPr>
@@ -3412,18 +3742,58 @@
         </p:blipFill>
         <p:spPr>
           <a:xfrm>
-            <a:off x="2382600" y="1795857"/>
-            <a:ext cx="8939773" cy="3625998"/>
+            <a:off x="5603421" y="2244838"/>
+            <a:ext cx="2304762" cy="2104762"/>
           </a:xfrm>
           <a:prstGeom prst="rect">
             <a:avLst/>
           </a:prstGeom>
         </p:spPr>
       </p:pic>
+      <p:sp>
+        <p:nvSpPr>
+          <p:cNvPr id="10" name="TextBox 9">
+            <a:extLst>
+              <a:ext uri="{FF2B5EF4-FFF2-40B4-BE49-F238E27FC236}">
+                <a16:creationId xmlns:a16="http://schemas.microsoft.com/office/drawing/2014/main" id="{2CAA82CF-3A55-85F1-B5A4-32C9CDDF5F2E}"/>
+              </a:ext>
+            </a:extLst>
+          </p:cNvPr>
+          <p:cNvSpPr txBox="1"/>
+          <p:nvPr/>
+        </p:nvSpPr>
+        <p:spPr>
+          <a:xfrm>
+            <a:off x="1486348" y="4777593"/>
+            <a:ext cx="11177196" cy="1384995"/>
+          </a:xfrm>
+          <a:prstGeom prst="rect">
+            <a:avLst/>
+          </a:prstGeom>
+          <a:noFill/>
+        </p:spPr>
+        <p:txBody>
+          <a:bodyPr wrap="square">
+            <a:spAutoFit/>
+          </a:bodyPr>
+          <a:lstStyle/>
+          <a:p>
+            <a:pPr algn="ctr"/>
+            <a:r>
+              <a:rPr lang="ru-RU" sz="2800" dirty="0">
+                <a:solidFill>
+                  <a:schemeClr val="bg1"/>
+                </a:solidFill>
+              </a:rPr>
+              <a:t>Мы сравниваем самую длинную общую подстроку, а на самом деле нужно сравнивать самую длинную общую подпоследовательность: количество букв в последовательности, общих для двух слов. </a:t>
+            </a:r>
+          </a:p>
+        </p:txBody>
+      </p:sp>
     </p:spTree>
     <p:extLst>
       <p:ext uri="{BB962C8B-B14F-4D97-AF65-F5344CB8AC3E}">
-        <p14:creationId xmlns:p14="http://schemas.microsoft.com/office/powerpoint/2010/main" val="2012921117"/>
+        <p14:creationId xmlns:p14="http://schemas.microsoft.com/office/powerpoint/2010/main" val="2111032163"/>
       </p:ext>
     </p:extLst>
   </p:cSld>
@@ -3433,7 +3803,401 @@
 </p:sld>
 </file>
 
-<file path=ppt/slides/slide11.xml><?xml version="1.0" encoding="utf-8"?>
+<file path=ppt/slides/slide12.xml><?xml version="1.0" encoding="utf-8"?>
+<p:sld xmlns:a="http://schemas.openxmlformats.org/drawingml/2006/main" xmlns:r="http://schemas.openxmlformats.org/officeDocument/2006/relationships" xmlns:p="http://schemas.openxmlformats.org/presentationml/2006/main">
+  <p:cSld>
+    <p:spTree>
+      <p:nvGrpSpPr>
+        <p:cNvPr id="1" name=""/>
+        <p:cNvGrpSpPr/>
+        <p:nvPr/>
+      </p:nvGrpSpPr>
+      <p:grpSpPr>
+        <a:xfrm>
+          <a:off x="0" y="0"/>
+          <a:ext cx="0" cy="0"/>
+          <a:chOff x="0" y="0"/>
+          <a:chExt cx="0" cy="0"/>
+        </a:xfrm>
+      </p:grpSpPr>
+      <p:sp>
+        <p:nvSpPr>
+          <p:cNvPr id="2" name="TextBox 1"/>
+          <p:cNvSpPr txBox="1"/>
+          <p:nvPr/>
+        </p:nvSpPr>
+        <p:spPr>
+          <a:xfrm>
+            <a:off x="461532" y="274320"/>
+            <a:ext cx="11882868" cy="769441"/>
+          </a:xfrm>
+          <a:prstGeom prst="rect">
+            <a:avLst/>
+          </a:prstGeom>
+          <a:noFill/>
+        </p:spPr>
+        <p:txBody>
+          <a:bodyPr wrap="none">
+            <a:spAutoFit/>
+          </a:bodyPr>
+          <a:lstStyle/>
+          <a:p>
+            <a:r>
+              <a:rPr lang="ru-RU" sz="4400" dirty="0"/>
+              <a:t>Самая длинная общая подпоследовательность</a:t>
+            </a:r>
+            <a:endParaRPr lang="ru-RU" sz="4400" b="1" dirty="0"/>
+          </a:p>
+        </p:txBody>
+      </p:sp>
+      <p:pic>
+        <p:nvPicPr>
+          <p:cNvPr id="4" name="Picture 3" descr="logo.png"/>
+          <p:cNvPicPr>
+            <a:picLocks noChangeAspect="1"/>
+          </p:cNvPicPr>
+          <p:nvPr/>
+        </p:nvPicPr>
+        <p:blipFill>
+          <a:blip r:embed="rId2"/>
+          <a:stretch>
+            <a:fillRect/>
+          </a:stretch>
+        </p:blipFill>
+        <p:spPr>
+          <a:xfrm>
+            <a:off x="12344400" y="274320"/>
+            <a:ext cx="1097280" cy="1080473"/>
+          </a:xfrm>
+          <a:prstGeom prst="rect">
+            <a:avLst/>
+          </a:prstGeom>
+        </p:spPr>
+      </p:pic>
+      <p:sp>
+        <p:nvSpPr>
+          <p:cNvPr id="5" name="Rectangle 4"/>
+          <p:cNvSpPr/>
+          <p:nvPr/>
+        </p:nvSpPr>
+        <p:spPr>
+          <a:xfrm>
+            <a:off x="0" y="7772400"/>
+            <a:ext cx="14630400" cy="457200"/>
+          </a:xfrm>
+          <a:prstGeom prst="rect">
+            <a:avLst/>
+          </a:prstGeom>
+          <a:solidFill>
+            <a:srgbClr val="640064"/>
+          </a:solidFill>
+          <a:ln>
+            <a:noFill/>
+          </a:ln>
+        </p:spPr>
+        <p:style>
+          <a:lnRef idx="1">
+            <a:schemeClr val="accent1"/>
+          </a:lnRef>
+          <a:fillRef idx="3">
+            <a:schemeClr val="accent1"/>
+          </a:fillRef>
+          <a:effectRef idx="2">
+            <a:schemeClr val="accent1"/>
+          </a:effectRef>
+          <a:fontRef idx="minor">
+            <a:schemeClr val="lt1"/>
+          </a:fontRef>
+        </p:style>
+        <p:txBody>
+          <a:bodyPr rtlCol="0" anchor="ctr"/>
+          <a:lstStyle/>
+          <a:p>
+            <a:pPr algn="ctr"/>
+            <a:endParaRPr/>
+          </a:p>
+        </p:txBody>
+      </p:sp>
+      <p:sp>
+        <p:nvSpPr>
+          <p:cNvPr id="6" name="TextBox 5">
+            <a:extLst>
+              <a:ext uri="{FF2B5EF4-FFF2-40B4-BE49-F238E27FC236}">
+                <a16:creationId xmlns:a16="http://schemas.microsoft.com/office/drawing/2014/main" id="{41AAC878-2325-E7DC-8A38-2AD2816BEF2B}"/>
+              </a:ext>
+            </a:extLst>
+          </p:cNvPr>
+          <p:cNvSpPr txBox="1"/>
+          <p:nvPr/>
+        </p:nvSpPr>
+        <p:spPr>
+          <a:xfrm>
+            <a:off x="561564" y="1361557"/>
+            <a:ext cx="13274936" cy="954107"/>
+          </a:xfrm>
+          <a:prstGeom prst="rect">
+            <a:avLst/>
+          </a:prstGeom>
+          <a:noFill/>
+        </p:spPr>
+        <p:txBody>
+          <a:bodyPr wrap="square">
+            <a:spAutoFit/>
+          </a:bodyPr>
+          <a:lstStyle/>
+          <a:p>
+            <a:pPr algn="ctr"/>
+            <a:r>
+              <a:rPr lang="ru-RU" sz="2800" dirty="0"/>
+              <a:t>Самая длинная общая подпоследовательность имеет много общего с самой длинной общей подстрокой, и их формулы тоже очень похожи.</a:t>
+            </a:r>
+          </a:p>
+        </p:txBody>
+      </p:sp>
+      <p:pic>
+        <p:nvPicPr>
+          <p:cNvPr id="8" name="Рисунок 7" descr="Изображение выглядит как диаграмма, зарисовка, План&#10;&#10;Автоматически созданное описание">
+            <a:extLst>
+              <a:ext uri="{FF2B5EF4-FFF2-40B4-BE49-F238E27FC236}">
+                <a16:creationId xmlns:a16="http://schemas.microsoft.com/office/drawing/2014/main" id="{3A41DCA2-F4FA-9F7F-C59E-4915B631FE77}"/>
+              </a:ext>
+            </a:extLst>
+          </p:cNvPr>
+          <p:cNvPicPr>
+            <a:picLocks noChangeAspect="1"/>
+          </p:cNvPicPr>
+          <p:nvPr/>
+        </p:nvPicPr>
+        <p:blipFill>
+          <a:blip r:embed="rId3"/>
+          <a:stretch>
+            <a:fillRect/>
+          </a:stretch>
+        </p:blipFill>
+        <p:spPr>
+          <a:xfrm>
+            <a:off x="739496" y="2322428"/>
+            <a:ext cx="13151408" cy="5449972"/>
+          </a:xfrm>
+          <a:prstGeom prst="rect">
+            <a:avLst/>
+          </a:prstGeom>
+        </p:spPr>
+      </p:pic>
+    </p:spTree>
+    <p:extLst>
+      <p:ext uri="{BB962C8B-B14F-4D97-AF65-F5344CB8AC3E}">
+        <p14:creationId xmlns:p14="http://schemas.microsoft.com/office/powerpoint/2010/main" val="3152780372"/>
+      </p:ext>
+    </p:extLst>
+  </p:cSld>
+  <p:clrMapOvr>
+    <a:masterClrMapping/>
+  </p:clrMapOvr>
+</p:sld>
+</file>
+
+<file path=ppt/slides/slide13.xml><?xml version="1.0" encoding="utf-8"?>
+<p:sld xmlns:a="http://schemas.openxmlformats.org/drawingml/2006/main" xmlns:r="http://schemas.openxmlformats.org/officeDocument/2006/relationships" xmlns:p="http://schemas.openxmlformats.org/presentationml/2006/main">
+  <p:cSld>
+    <p:bg>
+      <p:bgPr>
+        <a:solidFill>
+          <a:srgbClr val="972996"/>
+        </a:solidFill>
+        <a:effectLst/>
+      </p:bgPr>
+    </p:bg>
+    <p:spTree>
+      <p:nvGrpSpPr>
+        <p:cNvPr id="1" name=""/>
+        <p:cNvGrpSpPr/>
+        <p:nvPr/>
+      </p:nvGrpSpPr>
+      <p:grpSpPr>
+        <a:xfrm>
+          <a:off x="0" y="0"/>
+          <a:ext cx="0" cy="0"/>
+          <a:chOff x="0" y="0"/>
+          <a:chExt cx="0" cy="0"/>
+        </a:xfrm>
+      </p:grpSpPr>
+      <p:pic>
+        <p:nvPicPr>
+          <p:cNvPr id="4" name="Picture 3" descr="logo.png"/>
+          <p:cNvPicPr>
+            <a:picLocks noChangeAspect="1"/>
+          </p:cNvPicPr>
+          <p:nvPr/>
+        </p:nvPicPr>
+        <p:blipFill>
+          <a:blip r:embed="rId2"/>
+          <a:stretch>
+            <a:fillRect/>
+          </a:stretch>
+        </p:blipFill>
+        <p:spPr>
+          <a:xfrm>
+            <a:off x="12344400" y="274320"/>
+            <a:ext cx="1097280" cy="1080473"/>
+          </a:xfrm>
+          <a:prstGeom prst="rect">
+            <a:avLst/>
+          </a:prstGeom>
+        </p:spPr>
+      </p:pic>
+      <p:sp>
+        <p:nvSpPr>
+          <p:cNvPr id="5" name="Rectangle 4"/>
+          <p:cNvSpPr/>
+          <p:nvPr/>
+        </p:nvSpPr>
+        <p:spPr>
+          <a:xfrm>
+            <a:off x="0" y="7772400"/>
+            <a:ext cx="14630400" cy="457200"/>
+          </a:xfrm>
+          <a:prstGeom prst="rect">
+            <a:avLst/>
+          </a:prstGeom>
+          <a:solidFill>
+            <a:srgbClr val="E6E6E6"/>
+          </a:solidFill>
+          <a:ln>
+            <a:noFill/>
+          </a:ln>
+        </p:spPr>
+        <p:style>
+          <a:lnRef idx="1">
+            <a:schemeClr val="accent1"/>
+          </a:lnRef>
+          <a:fillRef idx="3">
+            <a:schemeClr val="accent1"/>
+          </a:fillRef>
+          <a:effectRef idx="2">
+            <a:schemeClr val="accent1"/>
+          </a:effectRef>
+          <a:fontRef idx="minor">
+            <a:schemeClr val="lt1"/>
+          </a:fontRef>
+        </p:style>
+        <p:txBody>
+          <a:bodyPr rtlCol="0" anchor="ctr"/>
+          <a:lstStyle/>
+          <a:p>
+            <a:pPr algn="ctr"/>
+            <a:endParaRPr/>
+          </a:p>
+        </p:txBody>
+      </p:sp>
+      <p:sp>
+        <p:nvSpPr>
+          <p:cNvPr id="3" name="TextBox 2">
+            <a:extLst>
+              <a:ext uri="{FF2B5EF4-FFF2-40B4-BE49-F238E27FC236}">
+                <a16:creationId xmlns:a16="http://schemas.microsoft.com/office/drawing/2014/main" id="{C315D28A-F529-C361-6B0C-54FC6D10368B}"/>
+              </a:ext>
+            </a:extLst>
+          </p:cNvPr>
+          <p:cNvSpPr txBox="1"/>
+          <p:nvPr/>
+        </p:nvSpPr>
+        <p:spPr>
+          <a:xfrm>
+            <a:off x="410584" y="335778"/>
+            <a:ext cx="2398413" cy="769441"/>
+          </a:xfrm>
+          <a:prstGeom prst="rect">
+            <a:avLst/>
+          </a:prstGeom>
+          <a:noFill/>
+        </p:spPr>
+        <p:txBody>
+          <a:bodyPr wrap="none">
+            <a:spAutoFit/>
+          </a:bodyPr>
+          <a:lstStyle/>
+          <a:p>
+            <a:r>
+              <a:rPr lang="ru-RU" sz="4400" b="1" dirty="0">
+                <a:solidFill>
+                  <a:schemeClr val="bg1"/>
+                </a:solidFill>
+              </a:rPr>
+              <a:t>Принцип</a:t>
+            </a:r>
+          </a:p>
+        </p:txBody>
+      </p:sp>
+      <p:sp>
+        <p:nvSpPr>
+          <p:cNvPr id="10" name="TextBox 9">
+            <a:extLst>
+              <a:ext uri="{FF2B5EF4-FFF2-40B4-BE49-F238E27FC236}">
+                <a16:creationId xmlns:a16="http://schemas.microsoft.com/office/drawing/2014/main" id="{2CAA82CF-3A55-85F1-B5A4-32C9CDDF5F2E}"/>
+              </a:ext>
+            </a:extLst>
+          </p:cNvPr>
+          <p:cNvSpPr txBox="1"/>
+          <p:nvPr/>
+        </p:nvSpPr>
+        <p:spPr>
+          <a:xfrm>
+            <a:off x="1268804" y="2622927"/>
+            <a:ext cx="11177196" cy="1815882"/>
+          </a:xfrm>
+          <a:prstGeom prst="rect">
+            <a:avLst/>
+          </a:prstGeom>
+          <a:noFill/>
+        </p:spPr>
+        <p:txBody>
+          <a:bodyPr wrap="square">
+            <a:spAutoFit/>
+          </a:bodyPr>
+          <a:lstStyle/>
+          <a:p>
+            <a:pPr marL="514350" indent="-514350" algn="just">
+              <a:buAutoNum type="arabicPeriod"/>
+            </a:pPr>
+            <a:r>
+              <a:rPr lang="ru-RU" sz="2800" dirty="0">
+                <a:solidFill>
+                  <a:schemeClr val="bg1"/>
+                </a:solidFill>
+              </a:rPr>
+              <a:t>Если значения не совпадают – выбрать наибольшее значение (для соседей сверху и слева)</a:t>
+            </a:r>
+          </a:p>
+          <a:p>
+            <a:pPr marL="514350" indent="-514350" algn="just">
+              <a:buAutoNum type="arabicPeriod"/>
+            </a:pPr>
+            <a:r>
+              <a:rPr lang="ru-RU" sz="2800" dirty="0">
+                <a:solidFill>
+                  <a:schemeClr val="bg1"/>
+                </a:solidFill>
+              </a:rPr>
+              <a:t>Если буквы совпадают, значение равно значению ячейки наверху слева +1</a:t>
+            </a:r>
+          </a:p>
+        </p:txBody>
+      </p:sp>
+    </p:spTree>
+    <p:extLst>
+      <p:ext uri="{BB962C8B-B14F-4D97-AF65-F5344CB8AC3E}">
+        <p14:creationId xmlns:p14="http://schemas.microsoft.com/office/powerpoint/2010/main" val="4114470013"/>
+      </p:ext>
+    </p:extLst>
+  </p:cSld>
+  <p:clrMapOvr>
+    <a:masterClrMapping/>
+  </p:clrMapOvr>
+</p:sld>
+</file>
+
+<file path=ppt/slides/slide14.xml><?xml version="1.0" encoding="utf-8"?>
 <p:sld xmlns:a="http://schemas.openxmlformats.org/drawingml/2006/main" xmlns:r="http://schemas.openxmlformats.org/officeDocument/2006/relationships" xmlns:p="http://schemas.openxmlformats.org/presentationml/2006/main">
   <p:cSld>
     <p:bg>
@@ -3907,6 +4671,328 @@
     <p:extLst>
       <p:ext uri="{BB962C8B-B14F-4D97-AF65-F5344CB8AC3E}">
         <p14:creationId xmlns:p14="http://schemas.microsoft.com/office/powerpoint/2010/main" val="3401690267"/>
+      </p:ext>
+    </p:extLst>
+  </p:cSld>
+  <p:clrMapOvr>
+    <a:masterClrMapping/>
+  </p:clrMapOvr>
+</p:sld>
+</file>
+
+<file path=ppt/slides/slide15.xml><?xml version="1.0" encoding="utf-8"?>
+<p:sld xmlns:a="http://schemas.openxmlformats.org/drawingml/2006/main" xmlns:r="http://schemas.openxmlformats.org/officeDocument/2006/relationships" xmlns:p="http://schemas.openxmlformats.org/presentationml/2006/main">
+  <p:cSld>
+    <p:bg>
+      <p:bgPr>
+        <a:solidFill>
+          <a:srgbClr val="000000"/>
+        </a:solidFill>
+        <a:effectLst/>
+      </p:bgPr>
+    </p:bg>
+    <p:spTree>
+      <p:nvGrpSpPr>
+        <p:cNvPr id="1" name=""/>
+        <p:cNvGrpSpPr/>
+        <p:nvPr/>
+      </p:nvGrpSpPr>
+      <p:grpSpPr>
+        <a:xfrm>
+          <a:off x="0" y="0"/>
+          <a:ext cx="0" cy="0"/>
+          <a:chOff x="0" y="0"/>
+          <a:chExt cx="0" cy="0"/>
+        </a:xfrm>
+      </p:grpSpPr>
+      <p:sp>
+        <p:nvSpPr>
+          <p:cNvPr id="4" name="Rectangle 3"/>
+          <p:cNvSpPr/>
+          <p:nvPr/>
+        </p:nvSpPr>
+        <p:spPr>
+          <a:xfrm>
+            <a:off x="0" y="7772400"/>
+            <a:ext cx="14630400" cy="457200"/>
+          </a:xfrm>
+          <a:prstGeom prst="rect">
+            <a:avLst/>
+          </a:prstGeom>
+          <a:solidFill>
+            <a:srgbClr val="640064"/>
+          </a:solidFill>
+          <a:ln>
+            <a:noFill/>
+          </a:ln>
+        </p:spPr>
+        <p:style>
+          <a:lnRef idx="1">
+            <a:schemeClr val="accent1"/>
+          </a:lnRef>
+          <a:fillRef idx="3">
+            <a:schemeClr val="accent1"/>
+          </a:fillRef>
+          <a:effectRef idx="2">
+            <a:schemeClr val="accent1"/>
+          </a:effectRef>
+          <a:fontRef idx="minor">
+            <a:schemeClr val="lt1"/>
+          </a:fontRef>
+        </p:style>
+        <p:txBody>
+          <a:bodyPr rtlCol="0" anchor="ctr"/>
+          <a:lstStyle/>
+          <a:p>
+            <a:pPr algn="ctr"/>
+            <a:endParaRPr>
+              <a:solidFill>
+                <a:schemeClr val="bg1"/>
+              </a:solidFill>
+            </a:endParaRPr>
+          </a:p>
+        </p:txBody>
+      </p:sp>
+      <p:sp>
+        <p:nvSpPr>
+          <p:cNvPr id="2" name="TextBox 1">
+            <a:extLst>
+              <a:ext uri="{FF2B5EF4-FFF2-40B4-BE49-F238E27FC236}">
+                <a16:creationId xmlns:a16="http://schemas.microsoft.com/office/drawing/2014/main" id="{AD66099C-598E-47B3-EDE4-26ECC9DB1A27}"/>
+              </a:ext>
+            </a:extLst>
+          </p:cNvPr>
+          <p:cNvSpPr txBox="1"/>
+          <p:nvPr/>
+        </p:nvSpPr>
+        <p:spPr>
+          <a:xfrm>
+            <a:off x="198120" y="0"/>
+            <a:ext cx="11776166" cy="1569660"/>
+          </a:xfrm>
+          <a:prstGeom prst="rect">
+            <a:avLst/>
+          </a:prstGeom>
+          <a:noFill/>
+        </p:spPr>
+        <p:txBody>
+          <a:bodyPr wrap="square">
+            <a:spAutoFit/>
+          </a:bodyPr>
+          <a:lstStyle/>
+          <a:p>
+            <a:pPr algn="ctr"/>
+            <a:r>
+              <a:rPr lang="ru-RU" sz="9600" dirty="0">
+                <a:solidFill>
+                  <a:schemeClr val="bg1"/>
+                </a:solidFill>
+              </a:rPr>
+              <a:t>Нужно больше задач</a:t>
+            </a:r>
+          </a:p>
+        </p:txBody>
+      </p:sp>
+      <p:sp>
+        <p:nvSpPr>
+          <p:cNvPr id="3" name="TextBox 2">
+            <a:hlinkClick r:id="rId2"/>
+            <a:extLst>
+              <a:ext uri="{FF2B5EF4-FFF2-40B4-BE49-F238E27FC236}">
+                <a16:creationId xmlns:a16="http://schemas.microsoft.com/office/drawing/2014/main" id="{F263BED0-B41B-C765-CA45-6041AB99CB35}"/>
+              </a:ext>
+            </a:extLst>
+          </p:cNvPr>
+          <p:cNvSpPr txBox="1"/>
+          <p:nvPr/>
+        </p:nvSpPr>
+        <p:spPr>
+          <a:xfrm>
+            <a:off x="5739106" y="1952877"/>
+            <a:ext cx="6235179" cy="523220"/>
+          </a:xfrm>
+          <a:prstGeom prst="rect">
+            <a:avLst/>
+          </a:prstGeom>
+          <a:noFill/>
+        </p:spPr>
+        <p:txBody>
+          <a:bodyPr wrap="square">
+            <a:spAutoFit/>
+          </a:bodyPr>
+          <a:lstStyle/>
+          <a:p>
+            <a:pPr algn="l">
+              <a:defRPr sz="2800">
+                <a:solidFill>
+                  <a:srgbClr val="FFFFFF"/>
+                </a:solidFill>
+              </a:defRPr>
+            </a:pPr>
+            <a:r>
+              <a:rPr lang="de-DE" dirty="0">
+                <a:solidFill>
+                  <a:schemeClr val="tx1">
+                    <a:lumMod val="95000"/>
+                    <a:lumOff val="5000"/>
+                  </a:schemeClr>
+                </a:solidFill>
+                <a:hlinkClick r:id="rId3"/>
+              </a:rPr>
+              <a:t>516. </a:t>
+            </a:r>
+            <a:r>
+              <a:rPr lang="de-DE" dirty="0" err="1">
+                <a:solidFill>
+                  <a:schemeClr val="tx1">
+                    <a:lumMod val="95000"/>
+                    <a:lumOff val="5000"/>
+                  </a:schemeClr>
+                </a:solidFill>
+                <a:hlinkClick r:id="rId3"/>
+              </a:rPr>
+              <a:t>Longest</a:t>
+            </a:r>
+            <a:r>
+              <a:rPr lang="de-DE" dirty="0">
+                <a:solidFill>
+                  <a:schemeClr val="tx1">
+                    <a:lumMod val="95000"/>
+                    <a:lumOff val="5000"/>
+                  </a:schemeClr>
+                </a:solidFill>
+                <a:hlinkClick r:id="rId3"/>
+              </a:rPr>
+              <a:t> </a:t>
+            </a:r>
+            <a:r>
+              <a:rPr lang="de-DE" dirty="0" err="1">
+                <a:solidFill>
+                  <a:schemeClr val="tx1">
+                    <a:lumMod val="95000"/>
+                    <a:lumOff val="5000"/>
+                  </a:schemeClr>
+                </a:solidFill>
+                <a:hlinkClick r:id="rId3"/>
+              </a:rPr>
+              <a:t>Palindromic</a:t>
+            </a:r>
+            <a:r>
+              <a:rPr lang="de-DE" dirty="0">
+                <a:solidFill>
+                  <a:schemeClr val="tx1">
+                    <a:lumMod val="95000"/>
+                    <a:lumOff val="5000"/>
+                  </a:schemeClr>
+                </a:solidFill>
+                <a:hlinkClick r:id="rId3"/>
+              </a:rPr>
+              <a:t> Subsequence</a:t>
+            </a:r>
+            <a:endParaRPr dirty="0">
+              <a:solidFill>
+                <a:schemeClr val="tx1">
+                  <a:lumMod val="95000"/>
+                  <a:lumOff val="5000"/>
+                </a:schemeClr>
+              </a:solidFill>
+            </a:endParaRPr>
+          </a:p>
+        </p:txBody>
+      </p:sp>
+      <p:pic>
+        <p:nvPicPr>
+          <p:cNvPr id="7" name="Рисунок 6" descr="Изображение выглядит как искусство, аксессуар, снимок экрана, мешок&#10;&#10;Автоматически созданное описание">
+            <a:extLst>
+              <a:ext uri="{FF2B5EF4-FFF2-40B4-BE49-F238E27FC236}">
+                <a16:creationId xmlns:a16="http://schemas.microsoft.com/office/drawing/2014/main" id="{753EFD2A-2EF4-C3C4-EBC7-789258D66EDA}"/>
+              </a:ext>
+            </a:extLst>
+          </p:cNvPr>
+          <p:cNvPicPr>
+            <a:picLocks noChangeAspect="1"/>
+          </p:cNvPicPr>
+          <p:nvPr/>
+        </p:nvPicPr>
+        <p:blipFill>
+          <a:blip r:embed="rId4"/>
+          <a:stretch>
+            <a:fillRect/>
+          </a:stretch>
+        </p:blipFill>
+        <p:spPr>
+          <a:xfrm>
+            <a:off x="-375077" y="2895600"/>
+            <a:ext cx="4876800" cy="4876800"/>
+          </a:xfrm>
+          <a:prstGeom prst="rect">
+            <a:avLst/>
+          </a:prstGeom>
+        </p:spPr>
+      </p:pic>
+      <p:sp>
+        <p:nvSpPr>
+          <p:cNvPr id="8" name="TextBox 7">
+            <a:hlinkClick r:id="rId2"/>
+            <a:extLst>
+              <a:ext uri="{FF2B5EF4-FFF2-40B4-BE49-F238E27FC236}">
+                <a16:creationId xmlns:a16="http://schemas.microsoft.com/office/drawing/2014/main" id="{BA53A1CB-BB83-CF4D-6440-0B16410B97DD}"/>
+              </a:ext>
+            </a:extLst>
+          </p:cNvPr>
+          <p:cNvSpPr txBox="1"/>
+          <p:nvPr/>
+        </p:nvSpPr>
+        <p:spPr>
+          <a:xfrm>
+            <a:off x="5739105" y="2600880"/>
+            <a:ext cx="6235179" cy="523220"/>
+          </a:xfrm>
+          <a:prstGeom prst="rect">
+            <a:avLst/>
+          </a:prstGeom>
+          <a:noFill/>
+        </p:spPr>
+        <p:txBody>
+          <a:bodyPr wrap="square">
+            <a:spAutoFit/>
+          </a:bodyPr>
+          <a:lstStyle/>
+          <a:p>
+            <a:pPr algn="l">
+              <a:defRPr sz="2800">
+                <a:solidFill>
+                  <a:srgbClr val="FFFFFF"/>
+                </a:solidFill>
+              </a:defRPr>
+            </a:pPr>
+            <a:r>
+              <a:rPr lang="en-US" dirty="0">
+                <a:solidFill>
+                  <a:schemeClr val="tx1">
+                    <a:lumMod val="95000"/>
+                    <a:lumOff val="5000"/>
+                  </a:schemeClr>
+                </a:solidFill>
+                <a:hlinkClick r:id="rId5"/>
+              </a:rPr>
+              <a:t>583. Delete Operation for Two Strings</a:t>
+            </a:r>
+            <a:endParaRPr dirty="0">
+              <a:solidFill>
+                <a:schemeClr val="tx1">
+                  <a:lumMod val="95000"/>
+                  <a:lumOff val="5000"/>
+                </a:schemeClr>
+              </a:solidFill>
+            </a:endParaRPr>
+          </a:p>
+        </p:txBody>
+      </p:sp>
+    </p:spTree>
+    <p:extLst>
+      <p:ext uri="{BB962C8B-B14F-4D97-AF65-F5344CB8AC3E}">
+        <p14:creationId xmlns:p14="http://schemas.microsoft.com/office/powerpoint/2010/main" val="621048014"/>
       </p:ext>
     </p:extLst>
   </p:cSld>
@@ -7513,6 +8599,14 @@
 <file path=ppt/slides/slide9.xml><?xml version="1.0" encoding="utf-8"?>
 <p:sld xmlns:a="http://schemas.openxmlformats.org/drawingml/2006/main" xmlns:r="http://schemas.openxmlformats.org/officeDocument/2006/relationships" xmlns:p="http://schemas.openxmlformats.org/presentationml/2006/main">
   <p:cSld>
+    <p:bg>
+      <p:bgPr>
+        <a:solidFill>
+          <a:srgbClr val="972996"/>
+        </a:solidFill>
+        <a:effectLst/>
+      </p:bgPr>
+    </p:bg>
     <p:spTree>
       <p:nvGrpSpPr>
         <p:cNvPr id="1" name=""/>
@@ -7527,46 +8621,6 @@
           <a:chExt cx="0" cy="0"/>
         </a:xfrm>
       </p:grpSpPr>
-      <p:sp>
-        <p:nvSpPr>
-          <p:cNvPr id="2" name="TextBox 1"/>
-          <p:cNvSpPr txBox="1"/>
-          <p:nvPr/>
-        </p:nvSpPr>
-        <p:spPr>
-          <a:xfrm>
-            <a:off x="461532" y="274320"/>
-            <a:ext cx="11882868" cy="769441"/>
-          </a:xfrm>
-          <a:prstGeom prst="rect">
-            <a:avLst/>
-          </a:prstGeom>
-          <a:noFill/>
-        </p:spPr>
-        <p:txBody>
-          <a:bodyPr wrap="none">
-            <a:spAutoFit/>
-          </a:bodyPr>
-          <a:lstStyle/>
-          <a:p>
-            <a:pPr algn="l">
-              <a:defRPr sz="4400" b="1">
-                <a:solidFill>
-                  <a:srgbClr val="000000"/>
-                </a:solidFill>
-              </a:defRPr>
-            </a:pPr>
-            <a:r>
-              <a:rPr lang="ru-RU" b="1" dirty="0"/>
-              <a:t>Самая длинная общая подпоследовательность</a:t>
-            </a:r>
-            <a:r>
-              <a:rPr lang="ru-RU" dirty="0"/>
-              <a:t> </a:t>
-            </a:r>
-          </a:p>
-        </p:txBody>
-      </p:sp>
       <p:pic>
         <p:nvPicPr>
           <p:cNvPr id="4" name="Picture 3" descr="logo.png"/>
@@ -7606,7 +8660,7 @@
             <a:avLst/>
           </a:prstGeom>
           <a:solidFill>
-            <a:srgbClr val="640064"/>
+            <a:srgbClr val="E6E6E6"/>
           </a:solidFill>
           <a:ln>
             <a:noFill/>
@@ -7637,10 +8691,10 @@
       </p:sp>
       <p:sp>
         <p:nvSpPr>
-          <p:cNvPr id="6" name="TextBox 5">
+          <p:cNvPr id="3" name="TextBox 2">
             <a:extLst>
               <a:ext uri="{FF2B5EF4-FFF2-40B4-BE49-F238E27FC236}">
-                <a16:creationId xmlns:a16="http://schemas.microsoft.com/office/drawing/2014/main" id="{41AAC878-2325-E7DC-8A38-2AD2816BEF2B}"/>
+                <a16:creationId xmlns:a16="http://schemas.microsoft.com/office/drawing/2014/main" id="{C315D28A-F529-C361-6B0C-54FC6D10368B}"/>
               </a:ext>
             </a:extLst>
           </p:cNvPr>
@@ -7649,8 +8703,8 @@
         </p:nvSpPr>
         <p:spPr>
           <a:xfrm>
-            <a:off x="623944" y="1354793"/>
-            <a:ext cx="13274936" cy="3539430"/>
+            <a:off x="410584" y="335778"/>
+            <a:ext cx="11458586" cy="769441"/>
           </a:xfrm>
           <a:prstGeom prst="rect">
             <a:avLst/>
@@ -7658,87 +8712,31 @@
           <a:noFill/>
         </p:spPr>
         <p:txBody>
-          <a:bodyPr wrap="square">
+          <a:bodyPr wrap="none">
             <a:spAutoFit/>
           </a:bodyPr>
           <a:lstStyle/>
           <a:p>
             <a:r>
-              <a:rPr lang="ru-RU" sz="2800" dirty="0"/>
-              <a:t>Даны две строки S1 и S2.</a:t>
-            </a:r>
-          </a:p>
-          <a:p>
-            <a:r>
-              <a:rPr lang="ru-RU" sz="2800" dirty="0"/>
-              <a:t>Нужно найти самую длинную подпоследовательность символов, которая встречается в обеих строках.</a:t>
-            </a:r>
-          </a:p>
-          <a:p>
-            <a:endParaRPr lang="ru-RU" sz="2800" dirty="0"/>
-          </a:p>
-          <a:p>
-            <a:r>
-              <a:rPr lang="ru-RU" sz="2800" dirty="0"/>
-              <a:t>Отличие от подстроки:</a:t>
-            </a:r>
-          </a:p>
-          <a:p>
-            <a:pPr>
-              <a:buFont typeface="Arial" panose="020B0604020202020204" pitchFamily="34" charset="0"/>
-              <a:buChar char="•"/>
-            </a:pPr>
-            <a:r>
-              <a:rPr lang="ru-RU" sz="2800" dirty="0"/>
-              <a:t> Подстрока — символы должны идти подряд.</a:t>
-            </a:r>
-          </a:p>
-          <a:p>
-            <a:pPr>
-              <a:buFont typeface="Arial" panose="020B0604020202020204" pitchFamily="34" charset="0"/>
-              <a:buChar char="•"/>
-            </a:pPr>
-            <a:r>
-              <a:rPr lang="ru-RU" sz="2800" dirty="0"/>
-              <a:t> Подпоследовательность — символы могут идти с пропусками, но сохраняют порядок.</a:t>
-            </a:r>
-          </a:p>
-        </p:txBody>
-      </p:sp>
-      <p:pic>
-        <p:nvPicPr>
-          <p:cNvPr id="10" name="Рисунок 9" descr="Изображение выглядит как рисунок, зарисовка, иллюстрация, челюсть&#10;&#10;Автоматически созданное описание">
-            <a:extLst>
-              <a:ext uri="{FF2B5EF4-FFF2-40B4-BE49-F238E27FC236}">
-                <a16:creationId xmlns:a16="http://schemas.microsoft.com/office/drawing/2014/main" id="{040A0818-1AC1-5F9C-8002-9F0C87553341}"/>
-              </a:ext>
-            </a:extLst>
-          </p:cNvPr>
-          <p:cNvPicPr>
-            <a:picLocks noChangeAspect="1"/>
-          </p:cNvPicPr>
-          <p:nvPr/>
-        </p:nvPicPr>
-        <p:blipFill>
-          <a:blip r:embed="rId3"/>
-          <a:stretch>
-            <a:fillRect/>
-          </a:stretch>
-        </p:blipFill>
-        <p:spPr>
-          <a:xfrm flipH="1">
-            <a:off x="12037808" y="6066540"/>
-            <a:ext cx="3087443" cy="1736687"/>
-          </a:xfrm>
-          <a:prstGeom prst="rect">
-            <a:avLst/>
-          </a:prstGeom>
-        </p:spPr>
-      </p:pic>
+              <a:rPr lang="ru-RU" sz="4400" dirty="0">
+                <a:solidFill>
+                  <a:schemeClr val="bg1"/>
+                </a:solidFill>
+              </a:rPr>
+              <a:t>Самая длинная общая подпоследовательность</a:t>
+            </a:r>
+            <a:endParaRPr lang="ru-RU" sz="4400" b="1" dirty="0">
+              <a:solidFill>
+                <a:schemeClr val="bg1"/>
+              </a:solidFill>
+            </a:endParaRPr>
+          </a:p>
+        </p:txBody>
+      </p:sp>
     </p:spTree>
     <p:extLst>
       <p:ext uri="{BB962C8B-B14F-4D97-AF65-F5344CB8AC3E}">
-        <p14:creationId xmlns:p14="http://schemas.microsoft.com/office/powerpoint/2010/main" val="4244350584"/>
+        <p14:creationId xmlns:p14="http://schemas.microsoft.com/office/powerpoint/2010/main" val="3281507129"/>
       </p:ext>
     </p:extLst>
   </p:cSld>
